--- a/tutorial1.pptx
+++ b/tutorial1.pptx
@@ -108,6 +108,11 @@
       </a:defRPr>
     </a:lvl9pPr>
   </p:defaultTextStyle>
+  <p:extLst>
+    <p:ext uri="{EFAFB233-063F-42B5-8137-9DF3F51BA10A}">
+      <p15:sldGuideLst xmlns:p15="http://schemas.microsoft.com/office/powerpoint/2012/main"/>
+    </p:ext>
+  </p:extLst>
 </p:presentation>
 </file>
 
@@ -8326,7 +8331,64 @@
           <a:bodyPr/>
           <a:lstStyle/>
           <a:p>
-            <a:endParaRPr lang="en-DE" dirty="0"/>
+            <a:r>
+              <a:rPr lang="en-GB" dirty="0"/>
+              <a:t>N</a:t>
+            </a:r>
+            <a:r>
+              <a:rPr lang="en-DE" dirty="0"/>
+              <a:t>agivate to aws console</a:t>
+            </a:r>
+          </a:p>
+          <a:p>
+            <a:r>
+              <a:rPr lang="en-GB" dirty="0"/>
+              <a:t>S</a:t>
+            </a:r>
+            <a:r>
+              <a:rPr lang="en-DE" dirty="0"/>
+              <a:t>earch for iam service</a:t>
+            </a:r>
+          </a:p>
+          <a:p>
+            <a:r>
+              <a:rPr lang="en-GB" dirty="0"/>
+              <a:t>C</a:t>
+            </a:r>
+            <a:r>
+              <a:rPr lang="en-DE" dirty="0"/>
+              <a:t>reate new user</a:t>
+            </a:r>
+          </a:p>
+          <a:p>
+            <a:r>
+              <a:rPr lang="en-GB" dirty="0"/>
+              <a:t>G</a:t>
+            </a:r>
+            <a:r>
+              <a:rPr lang="en-DE" dirty="0"/>
+              <a:t>ive programmatic access</a:t>
+            </a:r>
+          </a:p>
+          <a:p>
+            <a:r>
+              <a:rPr lang="en-GB" dirty="0"/>
+              <a:t>A</a:t>
+            </a:r>
+            <a:r>
+              <a:rPr lang="en-DE" dirty="0"/>
+              <a:t>dd to administrator policy</a:t>
+            </a:r>
+          </a:p>
+          <a:p>
+            <a:r>
+              <a:rPr lang="en-GB" dirty="0"/>
+              <a:t>S</a:t>
+            </a:r>
+            <a:r>
+              <a:rPr lang="en-DE" dirty="0"/>
+              <a:t>ave access id and secret key</a:t>
+            </a:r>
           </a:p>
         </p:txBody>
       </p:sp>
@@ -8413,7 +8475,24 @@
           <a:bodyPr/>
           <a:lstStyle/>
           <a:p>
-            <a:endParaRPr lang="en-DE" dirty="0"/>
+            <a:r>
+              <a:rPr lang="en-GB" dirty="0"/>
+              <a:t>a</a:t>
+            </a:r>
+            <a:r>
+              <a:rPr lang="en-DE" dirty="0"/>
+              <a:t>ws configure </a:t>
+            </a:r>
+          </a:p>
+          <a:p>
+            <a:r>
+              <a:rPr lang="en-GB" dirty="0"/>
+              <a:t>E</a:t>
+            </a:r>
+            <a:r>
+              <a:rPr lang="en-DE" dirty="0"/>
+              <a:t>nter access id , secret key,region, outfput type</a:t>
+            </a:r>
           </a:p>
         </p:txBody>
       </p:sp>
@@ -8491,10 +8570,134 @@
             <p:ph idx="1"/>
           </p:nvPr>
         </p:nvSpPr>
-        <p:spPr/>
+        <p:spPr>
+          <a:xfrm>
+            <a:off x="328246" y="1266093"/>
+            <a:ext cx="11311566" cy="4392978"/>
+          </a:xfrm>
+        </p:spPr>
         <p:txBody>
-          <a:bodyPr/>
+          <a:bodyPr>
+            <a:normAutofit fontScale="25000" lnSpcReduction="20000"/>
+          </a:bodyPr>
           <a:lstStyle/>
+          <a:p>
+            <a:pPr marL="0" indent="0">
+              <a:buNone/>
+            </a:pPr>
+            <a:r>
+              <a:rPr lang="en-GB" sz="4900" dirty="0"/>
+              <a:t>import boto3</a:t>
+            </a:r>
+          </a:p>
+          <a:p>
+            <a:pPr marL="0" indent="0">
+              <a:buNone/>
+            </a:pPr>
+            <a:r>
+              <a:rPr lang="en-GB" sz="4900" dirty="0" err="1"/>
+              <a:t>aws_resource</a:t>
+            </a:r>
+            <a:r>
+              <a:rPr lang="en-GB" sz="4900" dirty="0"/>
+              <a:t>=boto3.resource("s3")</a:t>
+            </a:r>
+          </a:p>
+          <a:p>
+            <a:pPr marL="0" indent="0">
+              <a:buNone/>
+            </a:pPr>
+            <a:r>
+              <a:rPr lang="en-GB" sz="4900" dirty="0"/>
+              <a:t>bucket=</a:t>
+            </a:r>
+            <a:r>
+              <a:rPr lang="en-GB" sz="4900" dirty="0" err="1"/>
+              <a:t>aws_resource.Bucket</a:t>
+            </a:r>
+            <a:r>
+              <a:rPr lang="en-GB" sz="4900" dirty="0"/>
+              <a:t>("totaltechnology1")</a:t>
+            </a:r>
+          </a:p>
+          <a:p>
+            <a:pPr marL="0" indent="0">
+              <a:buNone/>
+            </a:pPr>
+            <a:r>
+              <a:rPr lang="en-GB" sz="4900" dirty="0"/>
+              <a:t>response = </a:t>
+            </a:r>
+            <a:r>
+              <a:rPr lang="en-GB" sz="4900" dirty="0" err="1"/>
+              <a:t>bucket.create</a:t>
+            </a:r>
+            <a:r>
+              <a:rPr lang="en-GB" sz="4900" dirty="0"/>
+              <a:t>(</a:t>
+            </a:r>
+          </a:p>
+          <a:p>
+            <a:pPr marL="0" indent="0">
+              <a:buNone/>
+            </a:pPr>
+            <a:r>
+              <a:rPr lang="en-GB" sz="4900" dirty="0"/>
+              <a:t>ACL='private',</a:t>
+            </a:r>
+          </a:p>
+          <a:p>
+            <a:pPr marL="0" indent="0">
+              <a:buNone/>
+            </a:pPr>
+            <a:r>
+              <a:rPr lang="en-GB" sz="4900" dirty="0" err="1"/>
+              <a:t>CreateBucketConfiguration</a:t>
+            </a:r>
+            <a:r>
+              <a:rPr lang="en-GB" sz="4900" dirty="0"/>
+              <a:t>={</a:t>
+            </a:r>
+          </a:p>
+          <a:p>
+            <a:pPr marL="0" indent="0">
+              <a:buNone/>
+            </a:pPr>
+            <a:r>
+              <a:rPr lang="en-GB" sz="4900" dirty="0"/>
+              <a:t>'LocationConstraint':'eu-central-1'</a:t>
+            </a:r>
+          </a:p>
+          <a:p>
+            <a:pPr marL="0" indent="0">
+              <a:buNone/>
+            </a:pPr>
+            <a:r>
+              <a:rPr lang="en-GB" sz="4900" dirty="0"/>
+              <a:t>},</a:t>
+            </a:r>
+          </a:p>
+          <a:p>
+            <a:pPr marL="0" indent="0">
+              <a:buNone/>
+            </a:pPr>
+            <a:r>
+              <a:rPr lang="en-GB" sz="4900" dirty="0"/>
+              <a:t>)</a:t>
+            </a:r>
+          </a:p>
+          <a:p>
+            <a:pPr marL="0" indent="0">
+              <a:buNone/>
+            </a:pPr>
+            <a:br>
+              <a:rPr lang="en-GB" sz="4900" dirty="0"/>
+            </a:br>
+            <a:r>
+              <a:rPr lang="en-GB" sz="4900" dirty="0"/>
+              <a:t>print(response)</a:t>
+            </a:r>
+          </a:p>
           <a:p>
             <a:endParaRPr lang="en-DE" dirty="0"/>
           </a:p>
